--- a/ppt 16-9/0264.耶稣升天.pptx
+++ b/ppt 16-9/0264.耶稣升天.pptx
@@ -5,7 +5,7 @@
     <p:sldMasterId id="2147483648" r:id="rId1"/>
   </p:sldMasterIdLst>
   <p:sldIdLst>
-    <p:sldId id="3117" r:id="rId2"/>
+    <p:sldId id="3118" r:id="rId2"/>
   </p:sldIdLst>
   <p:sldSz cx="12192000" cy="6858000"/>
   <p:notesSz cx="6858000" cy="9144000"/>
@@ -129,7 +129,7 @@
           <p:cNvPr id="2" name="标题 1">
             <a:extLst>
               <a:ext uri="{FF2B5EF4-FFF2-40B4-BE49-F238E27FC236}">
-                <a16:creationId xmlns:a16="http://schemas.microsoft.com/office/drawing/2014/main" id="{18FCEC37-33AC-8E6C-9A98-580F9A4FE18C}"/>
+                <a16:creationId xmlns:a16="http://schemas.microsoft.com/office/drawing/2014/main" id="{4569940E-1AA2-D855-819E-67601529D710}"/>
               </a:ext>
             </a:extLst>
           </p:cNvPr>
@@ -166,7 +166,7 @@
           <p:cNvPr id="3" name="副标题 2">
             <a:extLst>
               <a:ext uri="{FF2B5EF4-FFF2-40B4-BE49-F238E27FC236}">
-                <a16:creationId xmlns:a16="http://schemas.microsoft.com/office/drawing/2014/main" id="{3302FE6B-F8A2-5BEF-D050-4600516887E3}"/>
+                <a16:creationId xmlns:a16="http://schemas.microsoft.com/office/drawing/2014/main" id="{423CDA33-6273-C422-68B9-EBE44EA75BCD}"/>
               </a:ext>
             </a:extLst>
           </p:cNvPr>
@@ -236,7 +236,7 @@
           <p:cNvPr id="4" name="日期占位符 3">
             <a:extLst>
               <a:ext uri="{FF2B5EF4-FFF2-40B4-BE49-F238E27FC236}">
-                <a16:creationId xmlns:a16="http://schemas.microsoft.com/office/drawing/2014/main" id="{BD596F95-2BA8-3431-79CE-1593F432E910}"/>
+                <a16:creationId xmlns:a16="http://schemas.microsoft.com/office/drawing/2014/main" id="{6DF60D68-6747-5DB0-1FB4-9E2C0F64C09D}"/>
               </a:ext>
             </a:extLst>
           </p:cNvPr>
@@ -252,7 +252,7 @@
           <a:bodyPr/>
           <a:lstStyle/>
           <a:p>
-            <a:fld id="{59D5180D-25BB-4D06-BB22-C1EC22C31B95}" type="datetimeFigureOut">
+            <a:fld id="{AC100CB3-EB3C-4CFF-8390-785BF6ECE786}" type="datetimeFigureOut">
               <a:rPr lang="zh-CN" altLang="en-US" smtClean="0"/>
               <a:t>2024/3/10</a:t>
             </a:fld>
@@ -265,7 +265,7 @@
           <p:cNvPr id="5" name="页脚占位符 4">
             <a:extLst>
               <a:ext uri="{FF2B5EF4-FFF2-40B4-BE49-F238E27FC236}">
-                <a16:creationId xmlns:a16="http://schemas.microsoft.com/office/drawing/2014/main" id="{CBECCC93-0E71-C4E9-0BC5-2DA8C224A1C6}"/>
+                <a16:creationId xmlns:a16="http://schemas.microsoft.com/office/drawing/2014/main" id="{BB98AC8A-50B8-0C6F-C4F6-FAE8F9A4892B}"/>
               </a:ext>
             </a:extLst>
           </p:cNvPr>
@@ -290,7 +290,7 @@
           <p:cNvPr id="6" name="灯片编号占位符 5">
             <a:extLst>
               <a:ext uri="{FF2B5EF4-FFF2-40B4-BE49-F238E27FC236}">
-                <a16:creationId xmlns:a16="http://schemas.microsoft.com/office/drawing/2014/main" id="{B4DCB619-3721-9FCF-2D9C-B655F03D59AA}"/>
+                <a16:creationId xmlns:a16="http://schemas.microsoft.com/office/drawing/2014/main" id="{BC877FE8-5168-F738-74D2-85B8867B6E5D}"/>
               </a:ext>
             </a:extLst>
           </p:cNvPr>
@@ -306,7 +306,7 @@
           <a:bodyPr/>
           <a:lstStyle/>
           <a:p>
-            <a:fld id="{B6B4EFC4-0A3C-4BE5-A855-134C38D35855}" type="slidenum">
+            <a:fld id="{AB3C1879-6B12-4156-9034-0510AACBB54E}" type="slidenum">
               <a:rPr lang="zh-CN" altLang="en-US" smtClean="0"/>
               <a:t>‹#›</a:t>
             </a:fld>
@@ -317,7 +317,7 @@
     </p:spTree>
     <p:extLst>
       <p:ext uri="{BB962C8B-B14F-4D97-AF65-F5344CB8AC3E}">
-        <p14:creationId xmlns:p14="http://schemas.microsoft.com/office/powerpoint/2010/main" val="3303925761"/>
+        <p14:creationId xmlns:p14="http://schemas.microsoft.com/office/powerpoint/2010/main" val="1391875311"/>
       </p:ext>
     </p:extLst>
   </p:cSld>
@@ -349,7 +349,7 @@
           <p:cNvPr id="2" name="标题 1">
             <a:extLst>
               <a:ext uri="{FF2B5EF4-FFF2-40B4-BE49-F238E27FC236}">
-                <a16:creationId xmlns:a16="http://schemas.microsoft.com/office/drawing/2014/main" id="{6405628D-F325-CAC7-C56A-693A6D58EA5D}"/>
+                <a16:creationId xmlns:a16="http://schemas.microsoft.com/office/drawing/2014/main" id="{D6F874A6-23DB-A586-285D-F9A415D3294F}"/>
               </a:ext>
             </a:extLst>
           </p:cNvPr>
@@ -377,7 +377,7 @@
           <p:cNvPr id="3" name="竖排文字占位符 2">
             <a:extLst>
               <a:ext uri="{FF2B5EF4-FFF2-40B4-BE49-F238E27FC236}">
-                <a16:creationId xmlns:a16="http://schemas.microsoft.com/office/drawing/2014/main" id="{7C88BD93-4ECE-1D92-1E2B-2D1C97246D64}"/>
+                <a16:creationId xmlns:a16="http://schemas.microsoft.com/office/drawing/2014/main" id="{B156D6EE-C436-C4D8-1659-0F1F16A9733F}"/>
               </a:ext>
             </a:extLst>
           </p:cNvPr>
@@ -434,7 +434,7 @@
           <p:cNvPr id="4" name="日期占位符 3">
             <a:extLst>
               <a:ext uri="{FF2B5EF4-FFF2-40B4-BE49-F238E27FC236}">
-                <a16:creationId xmlns:a16="http://schemas.microsoft.com/office/drawing/2014/main" id="{C112D0D8-8D6F-48DC-4FAC-345A2B3441A6}"/>
+                <a16:creationId xmlns:a16="http://schemas.microsoft.com/office/drawing/2014/main" id="{E7587FC5-4D47-A180-44B4-A4D18E1990C1}"/>
               </a:ext>
             </a:extLst>
           </p:cNvPr>
@@ -450,7 +450,7 @@
           <a:bodyPr/>
           <a:lstStyle/>
           <a:p>
-            <a:fld id="{59D5180D-25BB-4D06-BB22-C1EC22C31B95}" type="datetimeFigureOut">
+            <a:fld id="{AC100CB3-EB3C-4CFF-8390-785BF6ECE786}" type="datetimeFigureOut">
               <a:rPr lang="zh-CN" altLang="en-US" smtClean="0"/>
               <a:t>2024/3/10</a:t>
             </a:fld>
@@ -463,7 +463,7 @@
           <p:cNvPr id="5" name="页脚占位符 4">
             <a:extLst>
               <a:ext uri="{FF2B5EF4-FFF2-40B4-BE49-F238E27FC236}">
-                <a16:creationId xmlns:a16="http://schemas.microsoft.com/office/drawing/2014/main" id="{BFF4FEC4-F3CE-9260-6336-3021526BC34F}"/>
+                <a16:creationId xmlns:a16="http://schemas.microsoft.com/office/drawing/2014/main" id="{CC1989B6-F512-EC62-47B3-A7FC28E5C55A}"/>
               </a:ext>
             </a:extLst>
           </p:cNvPr>
@@ -488,7 +488,7 @@
           <p:cNvPr id="6" name="灯片编号占位符 5">
             <a:extLst>
               <a:ext uri="{FF2B5EF4-FFF2-40B4-BE49-F238E27FC236}">
-                <a16:creationId xmlns:a16="http://schemas.microsoft.com/office/drawing/2014/main" id="{ACE2FF1A-BFD7-3265-6C9E-FF104F165A26}"/>
+                <a16:creationId xmlns:a16="http://schemas.microsoft.com/office/drawing/2014/main" id="{4665DED1-3DE2-43D6-D6B0-33EA03976CD6}"/>
               </a:ext>
             </a:extLst>
           </p:cNvPr>
@@ -504,7 +504,7 @@
           <a:bodyPr/>
           <a:lstStyle/>
           <a:p>
-            <a:fld id="{B6B4EFC4-0A3C-4BE5-A855-134C38D35855}" type="slidenum">
+            <a:fld id="{AB3C1879-6B12-4156-9034-0510AACBB54E}" type="slidenum">
               <a:rPr lang="zh-CN" altLang="en-US" smtClean="0"/>
               <a:t>‹#›</a:t>
             </a:fld>
@@ -515,7 +515,7 @@
     </p:spTree>
     <p:extLst>
       <p:ext uri="{BB962C8B-B14F-4D97-AF65-F5344CB8AC3E}">
-        <p14:creationId xmlns:p14="http://schemas.microsoft.com/office/powerpoint/2010/main" val="4246400380"/>
+        <p14:creationId xmlns:p14="http://schemas.microsoft.com/office/powerpoint/2010/main" val="2108303687"/>
       </p:ext>
     </p:extLst>
   </p:cSld>
@@ -547,7 +547,7 @@
           <p:cNvPr id="2" name="竖排标题 1">
             <a:extLst>
               <a:ext uri="{FF2B5EF4-FFF2-40B4-BE49-F238E27FC236}">
-                <a16:creationId xmlns:a16="http://schemas.microsoft.com/office/drawing/2014/main" id="{753CEDD5-1B4B-A4B0-CEBC-F07F847E7F7A}"/>
+                <a16:creationId xmlns:a16="http://schemas.microsoft.com/office/drawing/2014/main" id="{A29D9873-8DA6-C9E7-219A-B63C81838819}"/>
               </a:ext>
             </a:extLst>
           </p:cNvPr>
@@ -580,7 +580,7 @@
           <p:cNvPr id="3" name="竖排文字占位符 2">
             <a:extLst>
               <a:ext uri="{FF2B5EF4-FFF2-40B4-BE49-F238E27FC236}">
-                <a16:creationId xmlns:a16="http://schemas.microsoft.com/office/drawing/2014/main" id="{64ADA6E1-0576-E6D9-9990-DF966C35E0B4}"/>
+                <a16:creationId xmlns:a16="http://schemas.microsoft.com/office/drawing/2014/main" id="{8357474B-726D-A0B6-778E-901388C3D631}"/>
               </a:ext>
             </a:extLst>
           </p:cNvPr>
@@ -642,7 +642,7 @@
           <p:cNvPr id="4" name="日期占位符 3">
             <a:extLst>
               <a:ext uri="{FF2B5EF4-FFF2-40B4-BE49-F238E27FC236}">
-                <a16:creationId xmlns:a16="http://schemas.microsoft.com/office/drawing/2014/main" id="{BAED469B-ADF7-25AF-AFA0-2E9EEA38E292}"/>
+                <a16:creationId xmlns:a16="http://schemas.microsoft.com/office/drawing/2014/main" id="{698318E1-AA27-50AE-1451-E6E99C41001F}"/>
               </a:ext>
             </a:extLst>
           </p:cNvPr>
@@ -658,7 +658,7 @@
           <a:bodyPr/>
           <a:lstStyle/>
           <a:p>
-            <a:fld id="{59D5180D-25BB-4D06-BB22-C1EC22C31B95}" type="datetimeFigureOut">
+            <a:fld id="{AC100CB3-EB3C-4CFF-8390-785BF6ECE786}" type="datetimeFigureOut">
               <a:rPr lang="zh-CN" altLang="en-US" smtClean="0"/>
               <a:t>2024/3/10</a:t>
             </a:fld>
@@ -671,7 +671,7 @@
           <p:cNvPr id="5" name="页脚占位符 4">
             <a:extLst>
               <a:ext uri="{FF2B5EF4-FFF2-40B4-BE49-F238E27FC236}">
-                <a16:creationId xmlns:a16="http://schemas.microsoft.com/office/drawing/2014/main" id="{6D56C733-3027-C617-680D-41CB14E57559}"/>
+                <a16:creationId xmlns:a16="http://schemas.microsoft.com/office/drawing/2014/main" id="{20EC30A6-E876-8682-7A07-F8866D413193}"/>
               </a:ext>
             </a:extLst>
           </p:cNvPr>
@@ -696,7 +696,7 @@
           <p:cNvPr id="6" name="灯片编号占位符 5">
             <a:extLst>
               <a:ext uri="{FF2B5EF4-FFF2-40B4-BE49-F238E27FC236}">
-                <a16:creationId xmlns:a16="http://schemas.microsoft.com/office/drawing/2014/main" id="{AEC1BA77-6D9B-6128-859E-F41244295391}"/>
+                <a16:creationId xmlns:a16="http://schemas.microsoft.com/office/drawing/2014/main" id="{B65CFA29-9D5A-F50F-082F-E61176F60840}"/>
               </a:ext>
             </a:extLst>
           </p:cNvPr>
@@ -712,7 +712,7 @@
           <a:bodyPr/>
           <a:lstStyle/>
           <a:p>
-            <a:fld id="{B6B4EFC4-0A3C-4BE5-A855-134C38D35855}" type="slidenum">
+            <a:fld id="{AB3C1879-6B12-4156-9034-0510AACBB54E}" type="slidenum">
               <a:rPr lang="zh-CN" altLang="en-US" smtClean="0"/>
               <a:t>‹#›</a:t>
             </a:fld>
@@ -723,7 +723,7 @@
     </p:spTree>
     <p:extLst>
       <p:ext uri="{BB962C8B-B14F-4D97-AF65-F5344CB8AC3E}">
-        <p14:creationId xmlns:p14="http://schemas.microsoft.com/office/powerpoint/2010/main" val="759622319"/>
+        <p14:creationId xmlns:p14="http://schemas.microsoft.com/office/powerpoint/2010/main" val="2506370357"/>
       </p:ext>
     </p:extLst>
   </p:cSld>
@@ -755,7 +755,7 @@
           <p:cNvPr id="2" name="标题 1">
             <a:extLst>
               <a:ext uri="{FF2B5EF4-FFF2-40B4-BE49-F238E27FC236}">
-                <a16:creationId xmlns:a16="http://schemas.microsoft.com/office/drawing/2014/main" id="{B0A17DFC-1895-325F-9608-FE776EBB3BA9}"/>
+                <a16:creationId xmlns:a16="http://schemas.microsoft.com/office/drawing/2014/main" id="{2A254BAF-4455-CDAF-DB43-A0CD986C6173}"/>
               </a:ext>
             </a:extLst>
           </p:cNvPr>
@@ -783,7 +783,7 @@
           <p:cNvPr id="3" name="内容占位符 2">
             <a:extLst>
               <a:ext uri="{FF2B5EF4-FFF2-40B4-BE49-F238E27FC236}">
-                <a16:creationId xmlns:a16="http://schemas.microsoft.com/office/drawing/2014/main" id="{FD2A0AEA-6070-02FE-FC63-1DD863C938FC}"/>
+                <a16:creationId xmlns:a16="http://schemas.microsoft.com/office/drawing/2014/main" id="{7B44FFEC-8466-8E7E-0CA4-B1B5C371A15F}"/>
               </a:ext>
             </a:extLst>
           </p:cNvPr>
@@ -840,7 +840,7 @@
           <p:cNvPr id="4" name="日期占位符 3">
             <a:extLst>
               <a:ext uri="{FF2B5EF4-FFF2-40B4-BE49-F238E27FC236}">
-                <a16:creationId xmlns:a16="http://schemas.microsoft.com/office/drawing/2014/main" id="{3431BEB5-4698-9F18-3CAA-A4A96AF75CA8}"/>
+                <a16:creationId xmlns:a16="http://schemas.microsoft.com/office/drawing/2014/main" id="{09ACAAD9-4317-02DD-6849-B43D3CCC6139}"/>
               </a:ext>
             </a:extLst>
           </p:cNvPr>
@@ -856,7 +856,7 @@
           <a:bodyPr/>
           <a:lstStyle/>
           <a:p>
-            <a:fld id="{59D5180D-25BB-4D06-BB22-C1EC22C31B95}" type="datetimeFigureOut">
+            <a:fld id="{AC100CB3-EB3C-4CFF-8390-785BF6ECE786}" type="datetimeFigureOut">
               <a:rPr lang="zh-CN" altLang="en-US" smtClean="0"/>
               <a:t>2024/3/10</a:t>
             </a:fld>
@@ -869,7 +869,7 @@
           <p:cNvPr id="5" name="页脚占位符 4">
             <a:extLst>
               <a:ext uri="{FF2B5EF4-FFF2-40B4-BE49-F238E27FC236}">
-                <a16:creationId xmlns:a16="http://schemas.microsoft.com/office/drawing/2014/main" id="{9841A8FB-77E9-4D0B-E614-DD560ACC7B8F}"/>
+                <a16:creationId xmlns:a16="http://schemas.microsoft.com/office/drawing/2014/main" id="{68192120-C553-9842-4B16-0D10B4DF663B}"/>
               </a:ext>
             </a:extLst>
           </p:cNvPr>
@@ -894,7 +894,7 @@
           <p:cNvPr id="6" name="灯片编号占位符 5">
             <a:extLst>
               <a:ext uri="{FF2B5EF4-FFF2-40B4-BE49-F238E27FC236}">
-                <a16:creationId xmlns:a16="http://schemas.microsoft.com/office/drawing/2014/main" id="{641120F3-4CE5-0787-BA5B-9FAEF94A735B}"/>
+                <a16:creationId xmlns:a16="http://schemas.microsoft.com/office/drawing/2014/main" id="{7084B092-59BA-A90F-24FD-25858E387780}"/>
               </a:ext>
             </a:extLst>
           </p:cNvPr>
@@ -910,7 +910,7 @@
           <a:bodyPr/>
           <a:lstStyle/>
           <a:p>
-            <a:fld id="{B6B4EFC4-0A3C-4BE5-A855-134C38D35855}" type="slidenum">
+            <a:fld id="{AB3C1879-6B12-4156-9034-0510AACBB54E}" type="slidenum">
               <a:rPr lang="zh-CN" altLang="en-US" smtClean="0"/>
               <a:t>‹#›</a:t>
             </a:fld>
@@ -921,7 +921,7 @@
     </p:spTree>
     <p:extLst>
       <p:ext uri="{BB962C8B-B14F-4D97-AF65-F5344CB8AC3E}">
-        <p14:creationId xmlns:p14="http://schemas.microsoft.com/office/powerpoint/2010/main" val="209955592"/>
+        <p14:creationId xmlns:p14="http://schemas.microsoft.com/office/powerpoint/2010/main" val="3900702577"/>
       </p:ext>
     </p:extLst>
   </p:cSld>
@@ -953,7 +953,7 @@
           <p:cNvPr id="2" name="标题 1">
             <a:extLst>
               <a:ext uri="{FF2B5EF4-FFF2-40B4-BE49-F238E27FC236}">
-                <a16:creationId xmlns:a16="http://schemas.microsoft.com/office/drawing/2014/main" id="{6DAD061D-108E-14F3-1A93-B8F9CD2FCCDA}"/>
+                <a16:creationId xmlns:a16="http://schemas.microsoft.com/office/drawing/2014/main" id="{273B19B1-10AF-0EB1-062F-F96C34FF6E6B}"/>
               </a:ext>
             </a:extLst>
           </p:cNvPr>
@@ -990,7 +990,7 @@
           <p:cNvPr id="3" name="文本占位符 2">
             <a:extLst>
               <a:ext uri="{FF2B5EF4-FFF2-40B4-BE49-F238E27FC236}">
-                <a16:creationId xmlns:a16="http://schemas.microsoft.com/office/drawing/2014/main" id="{91133B0D-8857-A43A-7AFD-B51933262233}"/>
+                <a16:creationId xmlns:a16="http://schemas.microsoft.com/office/drawing/2014/main" id="{BDFFB518-8E83-B2CB-2C14-D20DAE07BCD3}"/>
               </a:ext>
             </a:extLst>
           </p:cNvPr>
@@ -1115,7 +1115,7 @@
           <p:cNvPr id="4" name="日期占位符 3">
             <a:extLst>
               <a:ext uri="{FF2B5EF4-FFF2-40B4-BE49-F238E27FC236}">
-                <a16:creationId xmlns:a16="http://schemas.microsoft.com/office/drawing/2014/main" id="{654C0949-A364-A506-E1AF-062EDECAEDFB}"/>
+                <a16:creationId xmlns:a16="http://schemas.microsoft.com/office/drawing/2014/main" id="{BC1ADAB0-772B-C9C8-F91F-69C9E5A86D40}"/>
               </a:ext>
             </a:extLst>
           </p:cNvPr>
@@ -1131,7 +1131,7 @@
           <a:bodyPr/>
           <a:lstStyle/>
           <a:p>
-            <a:fld id="{59D5180D-25BB-4D06-BB22-C1EC22C31B95}" type="datetimeFigureOut">
+            <a:fld id="{AC100CB3-EB3C-4CFF-8390-785BF6ECE786}" type="datetimeFigureOut">
               <a:rPr lang="zh-CN" altLang="en-US" smtClean="0"/>
               <a:t>2024/3/10</a:t>
             </a:fld>
@@ -1144,7 +1144,7 @@
           <p:cNvPr id="5" name="页脚占位符 4">
             <a:extLst>
               <a:ext uri="{FF2B5EF4-FFF2-40B4-BE49-F238E27FC236}">
-                <a16:creationId xmlns:a16="http://schemas.microsoft.com/office/drawing/2014/main" id="{BF3A2AAA-B702-6E3E-1649-CBC90751AE37}"/>
+                <a16:creationId xmlns:a16="http://schemas.microsoft.com/office/drawing/2014/main" id="{C1D645CE-7C4C-E914-C2EE-3279347C4193}"/>
               </a:ext>
             </a:extLst>
           </p:cNvPr>
@@ -1169,7 +1169,7 @@
           <p:cNvPr id="6" name="灯片编号占位符 5">
             <a:extLst>
               <a:ext uri="{FF2B5EF4-FFF2-40B4-BE49-F238E27FC236}">
-                <a16:creationId xmlns:a16="http://schemas.microsoft.com/office/drawing/2014/main" id="{31D53B38-BEDF-0B8B-EC03-F8164259A285}"/>
+                <a16:creationId xmlns:a16="http://schemas.microsoft.com/office/drawing/2014/main" id="{297EA84D-7801-BDA5-EFE3-FC9F774973A8}"/>
               </a:ext>
             </a:extLst>
           </p:cNvPr>
@@ -1185,7 +1185,7 @@
           <a:bodyPr/>
           <a:lstStyle/>
           <a:p>
-            <a:fld id="{B6B4EFC4-0A3C-4BE5-A855-134C38D35855}" type="slidenum">
+            <a:fld id="{AB3C1879-6B12-4156-9034-0510AACBB54E}" type="slidenum">
               <a:rPr lang="zh-CN" altLang="en-US" smtClean="0"/>
               <a:t>‹#›</a:t>
             </a:fld>
@@ -1196,7 +1196,7 @@
     </p:spTree>
     <p:extLst>
       <p:ext uri="{BB962C8B-B14F-4D97-AF65-F5344CB8AC3E}">
-        <p14:creationId xmlns:p14="http://schemas.microsoft.com/office/powerpoint/2010/main" val="1012797343"/>
+        <p14:creationId xmlns:p14="http://schemas.microsoft.com/office/powerpoint/2010/main" val="2291439250"/>
       </p:ext>
     </p:extLst>
   </p:cSld>
@@ -1228,7 +1228,7 @@
           <p:cNvPr id="2" name="标题 1">
             <a:extLst>
               <a:ext uri="{FF2B5EF4-FFF2-40B4-BE49-F238E27FC236}">
-                <a16:creationId xmlns:a16="http://schemas.microsoft.com/office/drawing/2014/main" id="{2138A5A3-1614-79D6-7565-62E23C081D1A}"/>
+                <a16:creationId xmlns:a16="http://schemas.microsoft.com/office/drawing/2014/main" id="{3DA506A8-59D6-6E37-0982-F1A8C4F15D85}"/>
               </a:ext>
             </a:extLst>
           </p:cNvPr>
@@ -1256,7 +1256,7 @@
           <p:cNvPr id="3" name="内容占位符 2">
             <a:extLst>
               <a:ext uri="{FF2B5EF4-FFF2-40B4-BE49-F238E27FC236}">
-                <a16:creationId xmlns:a16="http://schemas.microsoft.com/office/drawing/2014/main" id="{5FB14FCA-97E3-68DA-E320-9A6795CBD143}"/>
+                <a16:creationId xmlns:a16="http://schemas.microsoft.com/office/drawing/2014/main" id="{05825374-AD43-6D49-CD04-53FACD3AD392}"/>
               </a:ext>
             </a:extLst>
           </p:cNvPr>
@@ -1318,7 +1318,7 @@
           <p:cNvPr id="4" name="内容占位符 3">
             <a:extLst>
               <a:ext uri="{FF2B5EF4-FFF2-40B4-BE49-F238E27FC236}">
-                <a16:creationId xmlns:a16="http://schemas.microsoft.com/office/drawing/2014/main" id="{38A81B5A-B3DA-0532-59DF-CD99C1F58028}"/>
+                <a16:creationId xmlns:a16="http://schemas.microsoft.com/office/drawing/2014/main" id="{FBCD9CE8-5E23-3E14-9A20-DC486C5E7F91}"/>
               </a:ext>
             </a:extLst>
           </p:cNvPr>
@@ -1380,7 +1380,7 @@
           <p:cNvPr id="5" name="日期占位符 4">
             <a:extLst>
               <a:ext uri="{FF2B5EF4-FFF2-40B4-BE49-F238E27FC236}">
-                <a16:creationId xmlns:a16="http://schemas.microsoft.com/office/drawing/2014/main" id="{E500A13B-6942-1DD1-8776-69D4A44A69E9}"/>
+                <a16:creationId xmlns:a16="http://schemas.microsoft.com/office/drawing/2014/main" id="{5D84A2AC-6047-FFDB-A1C5-301F7054F627}"/>
               </a:ext>
             </a:extLst>
           </p:cNvPr>
@@ -1396,7 +1396,7 @@
           <a:bodyPr/>
           <a:lstStyle/>
           <a:p>
-            <a:fld id="{59D5180D-25BB-4D06-BB22-C1EC22C31B95}" type="datetimeFigureOut">
+            <a:fld id="{AC100CB3-EB3C-4CFF-8390-785BF6ECE786}" type="datetimeFigureOut">
               <a:rPr lang="zh-CN" altLang="en-US" smtClean="0"/>
               <a:t>2024/3/10</a:t>
             </a:fld>
@@ -1409,7 +1409,7 @@
           <p:cNvPr id="6" name="页脚占位符 5">
             <a:extLst>
               <a:ext uri="{FF2B5EF4-FFF2-40B4-BE49-F238E27FC236}">
-                <a16:creationId xmlns:a16="http://schemas.microsoft.com/office/drawing/2014/main" id="{A2DBA6E5-D89E-2DD6-8E46-55320C835922}"/>
+                <a16:creationId xmlns:a16="http://schemas.microsoft.com/office/drawing/2014/main" id="{30796AA2-DBE8-EED1-81EC-FD4EA92E87F5}"/>
               </a:ext>
             </a:extLst>
           </p:cNvPr>
@@ -1434,7 +1434,7 @@
           <p:cNvPr id="7" name="灯片编号占位符 6">
             <a:extLst>
               <a:ext uri="{FF2B5EF4-FFF2-40B4-BE49-F238E27FC236}">
-                <a16:creationId xmlns:a16="http://schemas.microsoft.com/office/drawing/2014/main" id="{DE1A3F07-C6E0-F51D-7315-2E682D007494}"/>
+                <a16:creationId xmlns:a16="http://schemas.microsoft.com/office/drawing/2014/main" id="{7497E0B7-6962-55E7-4EA4-30253AA937BF}"/>
               </a:ext>
             </a:extLst>
           </p:cNvPr>
@@ -1450,7 +1450,7 @@
           <a:bodyPr/>
           <a:lstStyle/>
           <a:p>
-            <a:fld id="{B6B4EFC4-0A3C-4BE5-A855-134C38D35855}" type="slidenum">
+            <a:fld id="{AB3C1879-6B12-4156-9034-0510AACBB54E}" type="slidenum">
               <a:rPr lang="zh-CN" altLang="en-US" smtClean="0"/>
               <a:t>‹#›</a:t>
             </a:fld>
@@ -1461,7 +1461,7 @@
     </p:spTree>
     <p:extLst>
       <p:ext uri="{BB962C8B-B14F-4D97-AF65-F5344CB8AC3E}">
-        <p14:creationId xmlns:p14="http://schemas.microsoft.com/office/powerpoint/2010/main" val="2435297331"/>
+        <p14:creationId xmlns:p14="http://schemas.microsoft.com/office/powerpoint/2010/main" val="3908042354"/>
       </p:ext>
     </p:extLst>
   </p:cSld>
@@ -1493,7 +1493,7 @@
           <p:cNvPr id="2" name="标题 1">
             <a:extLst>
               <a:ext uri="{FF2B5EF4-FFF2-40B4-BE49-F238E27FC236}">
-                <a16:creationId xmlns:a16="http://schemas.microsoft.com/office/drawing/2014/main" id="{C2DD0608-4C2A-A102-2062-8558AC4C7FBD}"/>
+                <a16:creationId xmlns:a16="http://schemas.microsoft.com/office/drawing/2014/main" id="{DA873772-4D2F-BEC9-7FD0-1BE44EBD2F13}"/>
               </a:ext>
             </a:extLst>
           </p:cNvPr>
@@ -1526,7 +1526,7 @@
           <p:cNvPr id="3" name="文本占位符 2">
             <a:extLst>
               <a:ext uri="{FF2B5EF4-FFF2-40B4-BE49-F238E27FC236}">
-                <a16:creationId xmlns:a16="http://schemas.microsoft.com/office/drawing/2014/main" id="{51C7053B-C111-4633-E92C-2D5EC5859518}"/>
+                <a16:creationId xmlns:a16="http://schemas.microsoft.com/office/drawing/2014/main" id="{255DF0ED-494B-D10F-DE1E-D627174119A6}"/>
               </a:ext>
             </a:extLst>
           </p:cNvPr>
@@ -1597,7 +1597,7 @@
           <p:cNvPr id="4" name="内容占位符 3">
             <a:extLst>
               <a:ext uri="{FF2B5EF4-FFF2-40B4-BE49-F238E27FC236}">
-                <a16:creationId xmlns:a16="http://schemas.microsoft.com/office/drawing/2014/main" id="{1BB2F942-90B4-1F66-794B-E02A7CA5F39D}"/>
+                <a16:creationId xmlns:a16="http://schemas.microsoft.com/office/drawing/2014/main" id="{69B7DC50-8108-75A7-AC0F-C04630A9F7C5}"/>
               </a:ext>
             </a:extLst>
           </p:cNvPr>
@@ -1659,7 +1659,7 @@
           <p:cNvPr id="5" name="文本占位符 4">
             <a:extLst>
               <a:ext uri="{FF2B5EF4-FFF2-40B4-BE49-F238E27FC236}">
-                <a16:creationId xmlns:a16="http://schemas.microsoft.com/office/drawing/2014/main" id="{CDC7D351-E7A1-0242-8C2B-1995475051B9}"/>
+                <a16:creationId xmlns:a16="http://schemas.microsoft.com/office/drawing/2014/main" id="{6E35F544-1A0A-5F06-4423-F1ABE73B2F0E}"/>
               </a:ext>
             </a:extLst>
           </p:cNvPr>
@@ -1730,7 +1730,7 @@
           <p:cNvPr id="6" name="内容占位符 5">
             <a:extLst>
               <a:ext uri="{FF2B5EF4-FFF2-40B4-BE49-F238E27FC236}">
-                <a16:creationId xmlns:a16="http://schemas.microsoft.com/office/drawing/2014/main" id="{4EC1CBB8-B481-8F11-21E8-33EF3BC12335}"/>
+                <a16:creationId xmlns:a16="http://schemas.microsoft.com/office/drawing/2014/main" id="{6C1EAD14-7E6E-FBA2-A56B-3B1790A52CF6}"/>
               </a:ext>
             </a:extLst>
           </p:cNvPr>
@@ -1792,7 +1792,7 @@
           <p:cNvPr id="7" name="日期占位符 6">
             <a:extLst>
               <a:ext uri="{FF2B5EF4-FFF2-40B4-BE49-F238E27FC236}">
-                <a16:creationId xmlns:a16="http://schemas.microsoft.com/office/drawing/2014/main" id="{B7471AEC-312A-FC1F-AD6E-70F726D43808}"/>
+                <a16:creationId xmlns:a16="http://schemas.microsoft.com/office/drawing/2014/main" id="{EC91199E-40F5-E6BB-1683-B46CE3C4E18B}"/>
               </a:ext>
             </a:extLst>
           </p:cNvPr>
@@ -1808,7 +1808,7 @@
           <a:bodyPr/>
           <a:lstStyle/>
           <a:p>
-            <a:fld id="{59D5180D-25BB-4D06-BB22-C1EC22C31B95}" type="datetimeFigureOut">
+            <a:fld id="{AC100CB3-EB3C-4CFF-8390-785BF6ECE786}" type="datetimeFigureOut">
               <a:rPr lang="zh-CN" altLang="en-US" smtClean="0"/>
               <a:t>2024/3/10</a:t>
             </a:fld>
@@ -1821,7 +1821,7 @@
           <p:cNvPr id="8" name="页脚占位符 7">
             <a:extLst>
               <a:ext uri="{FF2B5EF4-FFF2-40B4-BE49-F238E27FC236}">
-                <a16:creationId xmlns:a16="http://schemas.microsoft.com/office/drawing/2014/main" id="{52BE3BB3-F6AD-E140-88B1-12E212624213}"/>
+                <a16:creationId xmlns:a16="http://schemas.microsoft.com/office/drawing/2014/main" id="{9FB70784-524B-1BAE-6626-7156AF1A218C}"/>
               </a:ext>
             </a:extLst>
           </p:cNvPr>
@@ -1846,7 +1846,7 @@
           <p:cNvPr id="9" name="灯片编号占位符 8">
             <a:extLst>
               <a:ext uri="{FF2B5EF4-FFF2-40B4-BE49-F238E27FC236}">
-                <a16:creationId xmlns:a16="http://schemas.microsoft.com/office/drawing/2014/main" id="{E3EDCD60-FF37-1238-0F98-1E08CCC9F33F}"/>
+                <a16:creationId xmlns:a16="http://schemas.microsoft.com/office/drawing/2014/main" id="{3EB07205-6C4E-F099-577F-B20598D08C37}"/>
               </a:ext>
             </a:extLst>
           </p:cNvPr>
@@ -1862,7 +1862,7 @@
           <a:bodyPr/>
           <a:lstStyle/>
           <a:p>
-            <a:fld id="{B6B4EFC4-0A3C-4BE5-A855-134C38D35855}" type="slidenum">
+            <a:fld id="{AB3C1879-6B12-4156-9034-0510AACBB54E}" type="slidenum">
               <a:rPr lang="zh-CN" altLang="en-US" smtClean="0"/>
               <a:t>‹#›</a:t>
             </a:fld>
@@ -1873,7 +1873,7 @@
     </p:spTree>
     <p:extLst>
       <p:ext uri="{BB962C8B-B14F-4D97-AF65-F5344CB8AC3E}">
-        <p14:creationId xmlns:p14="http://schemas.microsoft.com/office/powerpoint/2010/main" val="911284740"/>
+        <p14:creationId xmlns:p14="http://schemas.microsoft.com/office/powerpoint/2010/main" val="3107416642"/>
       </p:ext>
     </p:extLst>
   </p:cSld>
@@ -1905,7 +1905,7 @@
           <p:cNvPr id="2" name="标题 1">
             <a:extLst>
               <a:ext uri="{FF2B5EF4-FFF2-40B4-BE49-F238E27FC236}">
-                <a16:creationId xmlns:a16="http://schemas.microsoft.com/office/drawing/2014/main" id="{A13D022C-9D9C-466A-6519-9A79E641A7A6}"/>
+                <a16:creationId xmlns:a16="http://schemas.microsoft.com/office/drawing/2014/main" id="{EC951909-0D8D-96A5-6205-26FF460EF0FB}"/>
               </a:ext>
             </a:extLst>
           </p:cNvPr>
@@ -1933,7 +1933,7 @@
           <p:cNvPr id="3" name="日期占位符 2">
             <a:extLst>
               <a:ext uri="{FF2B5EF4-FFF2-40B4-BE49-F238E27FC236}">
-                <a16:creationId xmlns:a16="http://schemas.microsoft.com/office/drawing/2014/main" id="{8E9C8526-A70A-5E32-FAA6-4F2638E05758}"/>
+                <a16:creationId xmlns:a16="http://schemas.microsoft.com/office/drawing/2014/main" id="{2CF3B6A8-445B-196E-34C7-A2B11E70C35D}"/>
               </a:ext>
             </a:extLst>
           </p:cNvPr>
@@ -1949,7 +1949,7 @@
           <a:bodyPr/>
           <a:lstStyle/>
           <a:p>
-            <a:fld id="{59D5180D-25BB-4D06-BB22-C1EC22C31B95}" type="datetimeFigureOut">
+            <a:fld id="{AC100CB3-EB3C-4CFF-8390-785BF6ECE786}" type="datetimeFigureOut">
               <a:rPr lang="zh-CN" altLang="en-US" smtClean="0"/>
               <a:t>2024/3/10</a:t>
             </a:fld>
@@ -1962,7 +1962,7 @@
           <p:cNvPr id="4" name="页脚占位符 3">
             <a:extLst>
               <a:ext uri="{FF2B5EF4-FFF2-40B4-BE49-F238E27FC236}">
-                <a16:creationId xmlns:a16="http://schemas.microsoft.com/office/drawing/2014/main" id="{A5B6F498-5475-CB2D-05D3-4D925514C3EC}"/>
+                <a16:creationId xmlns:a16="http://schemas.microsoft.com/office/drawing/2014/main" id="{CC6C4573-2967-9ABC-0735-55A6D6CCD581}"/>
               </a:ext>
             </a:extLst>
           </p:cNvPr>
@@ -1987,7 +1987,7 @@
           <p:cNvPr id="5" name="灯片编号占位符 4">
             <a:extLst>
               <a:ext uri="{FF2B5EF4-FFF2-40B4-BE49-F238E27FC236}">
-                <a16:creationId xmlns:a16="http://schemas.microsoft.com/office/drawing/2014/main" id="{0C750C9F-A407-98C2-903F-31E0694435CF}"/>
+                <a16:creationId xmlns:a16="http://schemas.microsoft.com/office/drawing/2014/main" id="{097D8FF3-0258-F0FA-5742-858E05C596CE}"/>
               </a:ext>
             </a:extLst>
           </p:cNvPr>
@@ -2003,7 +2003,7 @@
           <a:bodyPr/>
           <a:lstStyle/>
           <a:p>
-            <a:fld id="{B6B4EFC4-0A3C-4BE5-A855-134C38D35855}" type="slidenum">
+            <a:fld id="{AB3C1879-6B12-4156-9034-0510AACBB54E}" type="slidenum">
               <a:rPr lang="zh-CN" altLang="en-US" smtClean="0"/>
               <a:t>‹#›</a:t>
             </a:fld>
@@ -2014,7 +2014,7 @@
     </p:spTree>
     <p:extLst>
       <p:ext uri="{BB962C8B-B14F-4D97-AF65-F5344CB8AC3E}">
-        <p14:creationId xmlns:p14="http://schemas.microsoft.com/office/powerpoint/2010/main" val="535651784"/>
+        <p14:creationId xmlns:p14="http://schemas.microsoft.com/office/powerpoint/2010/main" val="4011370703"/>
       </p:ext>
     </p:extLst>
   </p:cSld>
@@ -2046,7 +2046,7 @@
           <p:cNvPr id="2" name="日期占位符 1">
             <a:extLst>
               <a:ext uri="{FF2B5EF4-FFF2-40B4-BE49-F238E27FC236}">
-                <a16:creationId xmlns:a16="http://schemas.microsoft.com/office/drawing/2014/main" id="{03C41408-10D0-38A4-9771-121AB58F4765}"/>
+                <a16:creationId xmlns:a16="http://schemas.microsoft.com/office/drawing/2014/main" id="{2356F5B6-A6EA-D1A7-D85F-1E195D8C3BFA}"/>
               </a:ext>
             </a:extLst>
           </p:cNvPr>
@@ -2062,7 +2062,7 @@
           <a:bodyPr/>
           <a:lstStyle/>
           <a:p>
-            <a:fld id="{59D5180D-25BB-4D06-BB22-C1EC22C31B95}" type="datetimeFigureOut">
+            <a:fld id="{AC100CB3-EB3C-4CFF-8390-785BF6ECE786}" type="datetimeFigureOut">
               <a:rPr lang="zh-CN" altLang="en-US" smtClean="0"/>
               <a:t>2024/3/10</a:t>
             </a:fld>
@@ -2075,7 +2075,7 @@
           <p:cNvPr id="3" name="页脚占位符 2">
             <a:extLst>
               <a:ext uri="{FF2B5EF4-FFF2-40B4-BE49-F238E27FC236}">
-                <a16:creationId xmlns:a16="http://schemas.microsoft.com/office/drawing/2014/main" id="{4DB2F5FD-7918-F65B-1D40-F06B4EFDA03E}"/>
+                <a16:creationId xmlns:a16="http://schemas.microsoft.com/office/drawing/2014/main" id="{CA0E939B-9989-C562-367D-A8B680D505AE}"/>
               </a:ext>
             </a:extLst>
           </p:cNvPr>
@@ -2100,7 +2100,7 @@
           <p:cNvPr id="4" name="灯片编号占位符 3">
             <a:extLst>
               <a:ext uri="{FF2B5EF4-FFF2-40B4-BE49-F238E27FC236}">
-                <a16:creationId xmlns:a16="http://schemas.microsoft.com/office/drawing/2014/main" id="{19928066-20D2-30F0-7798-C7C40A384EC5}"/>
+                <a16:creationId xmlns:a16="http://schemas.microsoft.com/office/drawing/2014/main" id="{866E7449-55C5-CB92-B4ED-5DDA8863F176}"/>
               </a:ext>
             </a:extLst>
           </p:cNvPr>
@@ -2116,7 +2116,7 @@
           <a:bodyPr/>
           <a:lstStyle/>
           <a:p>
-            <a:fld id="{B6B4EFC4-0A3C-4BE5-A855-134C38D35855}" type="slidenum">
+            <a:fld id="{AB3C1879-6B12-4156-9034-0510AACBB54E}" type="slidenum">
               <a:rPr lang="zh-CN" altLang="en-US" smtClean="0"/>
               <a:t>‹#›</a:t>
             </a:fld>
@@ -2127,7 +2127,7 @@
     </p:spTree>
     <p:extLst>
       <p:ext uri="{BB962C8B-B14F-4D97-AF65-F5344CB8AC3E}">
-        <p14:creationId xmlns:p14="http://schemas.microsoft.com/office/powerpoint/2010/main" val="2239849748"/>
+        <p14:creationId xmlns:p14="http://schemas.microsoft.com/office/powerpoint/2010/main" val="2094920755"/>
       </p:ext>
     </p:extLst>
   </p:cSld>
@@ -2159,7 +2159,7 @@
           <p:cNvPr id="2" name="标题 1">
             <a:extLst>
               <a:ext uri="{FF2B5EF4-FFF2-40B4-BE49-F238E27FC236}">
-                <a16:creationId xmlns:a16="http://schemas.microsoft.com/office/drawing/2014/main" id="{4E34A386-677F-6621-F71D-274FA18AE09A}"/>
+                <a16:creationId xmlns:a16="http://schemas.microsoft.com/office/drawing/2014/main" id="{C8511419-B628-CE19-0D34-65F7C3E86F81}"/>
               </a:ext>
             </a:extLst>
           </p:cNvPr>
@@ -2196,7 +2196,7 @@
           <p:cNvPr id="3" name="内容占位符 2">
             <a:extLst>
               <a:ext uri="{FF2B5EF4-FFF2-40B4-BE49-F238E27FC236}">
-                <a16:creationId xmlns:a16="http://schemas.microsoft.com/office/drawing/2014/main" id="{6794BCBD-4BFC-28FF-6227-CB3C1810D5E7}"/>
+                <a16:creationId xmlns:a16="http://schemas.microsoft.com/office/drawing/2014/main" id="{8CEDEA4B-BA31-0D5F-C90C-501FD8617CE4}"/>
               </a:ext>
             </a:extLst>
           </p:cNvPr>
@@ -2286,7 +2286,7 @@
           <p:cNvPr id="4" name="文本占位符 3">
             <a:extLst>
               <a:ext uri="{FF2B5EF4-FFF2-40B4-BE49-F238E27FC236}">
-                <a16:creationId xmlns:a16="http://schemas.microsoft.com/office/drawing/2014/main" id="{116D5B60-7805-32D0-142C-C9014EC95617}"/>
+                <a16:creationId xmlns:a16="http://schemas.microsoft.com/office/drawing/2014/main" id="{E6EC1439-A8F1-3055-59AC-D0489709F4CC}"/>
               </a:ext>
             </a:extLst>
           </p:cNvPr>
@@ -2357,7 +2357,7 @@
           <p:cNvPr id="5" name="日期占位符 4">
             <a:extLst>
               <a:ext uri="{FF2B5EF4-FFF2-40B4-BE49-F238E27FC236}">
-                <a16:creationId xmlns:a16="http://schemas.microsoft.com/office/drawing/2014/main" id="{79C5DE20-E7A1-00E8-2FA8-D8DEB0559243}"/>
+                <a16:creationId xmlns:a16="http://schemas.microsoft.com/office/drawing/2014/main" id="{FE682942-D85C-D3EC-4153-AD47603310C2}"/>
               </a:ext>
             </a:extLst>
           </p:cNvPr>
@@ -2373,7 +2373,7 @@
           <a:bodyPr/>
           <a:lstStyle/>
           <a:p>
-            <a:fld id="{59D5180D-25BB-4D06-BB22-C1EC22C31B95}" type="datetimeFigureOut">
+            <a:fld id="{AC100CB3-EB3C-4CFF-8390-785BF6ECE786}" type="datetimeFigureOut">
               <a:rPr lang="zh-CN" altLang="en-US" smtClean="0"/>
               <a:t>2024/3/10</a:t>
             </a:fld>
@@ -2386,7 +2386,7 @@
           <p:cNvPr id="6" name="页脚占位符 5">
             <a:extLst>
               <a:ext uri="{FF2B5EF4-FFF2-40B4-BE49-F238E27FC236}">
-                <a16:creationId xmlns:a16="http://schemas.microsoft.com/office/drawing/2014/main" id="{9B035FC9-9747-F7AF-CED8-1315ED3EF9BC}"/>
+                <a16:creationId xmlns:a16="http://schemas.microsoft.com/office/drawing/2014/main" id="{9D101301-2F9E-FDDE-92A8-42D8C5EFCE13}"/>
               </a:ext>
             </a:extLst>
           </p:cNvPr>
@@ -2411,7 +2411,7 @@
           <p:cNvPr id="7" name="灯片编号占位符 6">
             <a:extLst>
               <a:ext uri="{FF2B5EF4-FFF2-40B4-BE49-F238E27FC236}">
-                <a16:creationId xmlns:a16="http://schemas.microsoft.com/office/drawing/2014/main" id="{9B57D91A-C687-14C2-E0F2-9315D78857A9}"/>
+                <a16:creationId xmlns:a16="http://schemas.microsoft.com/office/drawing/2014/main" id="{1784CC15-24D9-722A-4DE9-7D61C3B6E314}"/>
               </a:ext>
             </a:extLst>
           </p:cNvPr>
@@ -2427,7 +2427,7 @@
           <a:bodyPr/>
           <a:lstStyle/>
           <a:p>
-            <a:fld id="{B6B4EFC4-0A3C-4BE5-A855-134C38D35855}" type="slidenum">
+            <a:fld id="{AB3C1879-6B12-4156-9034-0510AACBB54E}" type="slidenum">
               <a:rPr lang="zh-CN" altLang="en-US" smtClean="0"/>
               <a:t>‹#›</a:t>
             </a:fld>
@@ -2438,7 +2438,7 @@
     </p:spTree>
     <p:extLst>
       <p:ext uri="{BB962C8B-B14F-4D97-AF65-F5344CB8AC3E}">
-        <p14:creationId xmlns:p14="http://schemas.microsoft.com/office/powerpoint/2010/main" val="2698482308"/>
+        <p14:creationId xmlns:p14="http://schemas.microsoft.com/office/powerpoint/2010/main" val="1431981206"/>
       </p:ext>
     </p:extLst>
   </p:cSld>
@@ -2470,7 +2470,7 @@
           <p:cNvPr id="2" name="标题 1">
             <a:extLst>
               <a:ext uri="{FF2B5EF4-FFF2-40B4-BE49-F238E27FC236}">
-                <a16:creationId xmlns:a16="http://schemas.microsoft.com/office/drawing/2014/main" id="{44221489-9599-2D11-3969-76F0BC16B4F1}"/>
+                <a16:creationId xmlns:a16="http://schemas.microsoft.com/office/drawing/2014/main" id="{72D5CBD8-2F95-F0D1-81F3-2A161B00CD61}"/>
               </a:ext>
             </a:extLst>
           </p:cNvPr>
@@ -2507,7 +2507,7 @@
           <p:cNvPr id="3" name="图片占位符 2">
             <a:extLst>
               <a:ext uri="{FF2B5EF4-FFF2-40B4-BE49-F238E27FC236}">
-                <a16:creationId xmlns:a16="http://schemas.microsoft.com/office/drawing/2014/main" id="{33FAD69F-9166-02E4-4FD6-8BC59D3A0D29}"/>
+                <a16:creationId xmlns:a16="http://schemas.microsoft.com/office/drawing/2014/main" id="{D095D0C9-67C0-A40C-533C-0D655E0D399F}"/>
               </a:ext>
             </a:extLst>
           </p:cNvPr>
@@ -2574,7 +2574,7 @@
           <p:cNvPr id="4" name="文本占位符 3">
             <a:extLst>
               <a:ext uri="{FF2B5EF4-FFF2-40B4-BE49-F238E27FC236}">
-                <a16:creationId xmlns:a16="http://schemas.microsoft.com/office/drawing/2014/main" id="{C2EF6D8C-74DF-C44C-FB50-815A0A6E48A3}"/>
+                <a16:creationId xmlns:a16="http://schemas.microsoft.com/office/drawing/2014/main" id="{0FB3106C-CF51-6C1F-1717-5CF08158AF41}"/>
               </a:ext>
             </a:extLst>
           </p:cNvPr>
@@ -2645,7 +2645,7 @@
           <p:cNvPr id="5" name="日期占位符 4">
             <a:extLst>
               <a:ext uri="{FF2B5EF4-FFF2-40B4-BE49-F238E27FC236}">
-                <a16:creationId xmlns:a16="http://schemas.microsoft.com/office/drawing/2014/main" id="{FC978FF7-9935-E22A-9DB7-805AAC511C3F}"/>
+                <a16:creationId xmlns:a16="http://schemas.microsoft.com/office/drawing/2014/main" id="{2C6A5864-ACF1-D476-4744-D786FB11FA6C}"/>
               </a:ext>
             </a:extLst>
           </p:cNvPr>
@@ -2661,7 +2661,7 @@
           <a:bodyPr/>
           <a:lstStyle/>
           <a:p>
-            <a:fld id="{59D5180D-25BB-4D06-BB22-C1EC22C31B95}" type="datetimeFigureOut">
+            <a:fld id="{AC100CB3-EB3C-4CFF-8390-785BF6ECE786}" type="datetimeFigureOut">
               <a:rPr lang="zh-CN" altLang="en-US" smtClean="0"/>
               <a:t>2024/3/10</a:t>
             </a:fld>
@@ -2674,7 +2674,7 @@
           <p:cNvPr id="6" name="页脚占位符 5">
             <a:extLst>
               <a:ext uri="{FF2B5EF4-FFF2-40B4-BE49-F238E27FC236}">
-                <a16:creationId xmlns:a16="http://schemas.microsoft.com/office/drawing/2014/main" id="{212B3B6A-CE8F-EEA5-5C8E-5B494C0D5277}"/>
+                <a16:creationId xmlns:a16="http://schemas.microsoft.com/office/drawing/2014/main" id="{E3A05DC5-3CF4-26C7-414F-F8610977021A}"/>
               </a:ext>
             </a:extLst>
           </p:cNvPr>
@@ -2699,7 +2699,7 @@
           <p:cNvPr id="7" name="灯片编号占位符 6">
             <a:extLst>
               <a:ext uri="{FF2B5EF4-FFF2-40B4-BE49-F238E27FC236}">
-                <a16:creationId xmlns:a16="http://schemas.microsoft.com/office/drawing/2014/main" id="{CB64938A-E327-4BB7-31C6-9E30E03AFF3E}"/>
+                <a16:creationId xmlns:a16="http://schemas.microsoft.com/office/drawing/2014/main" id="{F50D0550-4427-39FA-072B-46A76B138A69}"/>
               </a:ext>
             </a:extLst>
           </p:cNvPr>
@@ -2715,7 +2715,7 @@
           <a:bodyPr/>
           <a:lstStyle/>
           <a:p>
-            <a:fld id="{B6B4EFC4-0A3C-4BE5-A855-134C38D35855}" type="slidenum">
+            <a:fld id="{AB3C1879-6B12-4156-9034-0510AACBB54E}" type="slidenum">
               <a:rPr lang="zh-CN" altLang="en-US" smtClean="0"/>
               <a:t>‹#›</a:t>
             </a:fld>
@@ -2726,7 +2726,7 @@
     </p:spTree>
     <p:extLst>
       <p:ext uri="{BB962C8B-B14F-4D97-AF65-F5344CB8AC3E}">
-        <p14:creationId xmlns:p14="http://schemas.microsoft.com/office/powerpoint/2010/main" val="4128825967"/>
+        <p14:creationId xmlns:p14="http://schemas.microsoft.com/office/powerpoint/2010/main" val="1866240535"/>
       </p:ext>
     </p:extLst>
   </p:cSld>
@@ -2763,7 +2763,7 @@
           <p:cNvPr id="2" name="标题占位符 1">
             <a:extLst>
               <a:ext uri="{FF2B5EF4-FFF2-40B4-BE49-F238E27FC236}">
-                <a16:creationId xmlns:a16="http://schemas.microsoft.com/office/drawing/2014/main" id="{695B594E-B31C-5B77-7759-EE7B11C92B0D}"/>
+                <a16:creationId xmlns:a16="http://schemas.microsoft.com/office/drawing/2014/main" id="{EDE45411-1407-3C24-9970-DDA439C9C4E4}"/>
               </a:ext>
             </a:extLst>
           </p:cNvPr>
@@ -2801,7 +2801,7 @@
           <p:cNvPr id="3" name="文本占位符 2">
             <a:extLst>
               <a:ext uri="{FF2B5EF4-FFF2-40B4-BE49-F238E27FC236}">
-                <a16:creationId xmlns:a16="http://schemas.microsoft.com/office/drawing/2014/main" id="{97731C38-DFE4-6C9D-76A1-B0B45869DC4C}"/>
+                <a16:creationId xmlns:a16="http://schemas.microsoft.com/office/drawing/2014/main" id="{40E5C71E-DAA6-29F3-3268-8B8308282FF0}"/>
               </a:ext>
             </a:extLst>
           </p:cNvPr>
@@ -2868,7 +2868,7 @@
           <p:cNvPr id="4" name="日期占位符 3">
             <a:extLst>
               <a:ext uri="{FF2B5EF4-FFF2-40B4-BE49-F238E27FC236}">
-                <a16:creationId xmlns:a16="http://schemas.microsoft.com/office/drawing/2014/main" id="{86FCDC45-A776-8978-067F-643133B850B8}"/>
+                <a16:creationId xmlns:a16="http://schemas.microsoft.com/office/drawing/2014/main" id="{2EDC0FA2-5823-6B01-850C-D576B201C190}"/>
               </a:ext>
             </a:extLst>
           </p:cNvPr>
@@ -2902,7 +2902,7 @@
             </a:lvl1pPr>
           </a:lstStyle>
           <a:p>
-            <a:fld id="{59D5180D-25BB-4D06-BB22-C1EC22C31B95}" type="datetimeFigureOut">
+            <a:fld id="{AC100CB3-EB3C-4CFF-8390-785BF6ECE786}" type="datetimeFigureOut">
               <a:rPr lang="zh-CN" altLang="en-US" smtClean="0"/>
               <a:t>2024/3/10</a:t>
             </a:fld>
@@ -2915,7 +2915,7 @@
           <p:cNvPr id="5" name="页脚占位符 4">
             <a:extLst>
               <a:ext uri="{FF2B5EF4-FFF2-40B4-BE49-F238E27FC236}">
-                <a16:creationId xmlns:a16="http://schemas.microsoft.com/office/drawing/2014/main" id="{BAA6074C-1E0F-FF62-C113-98ECC9D1571C}"/>
+                <a16:creationId xmlns:a16="http://schemas.microsoft.com/office/drawing/2014/main" id="{72B0EA0D-BA42-67D9-BBD8-76F402353659}"/>
               </a:ext>
             </a:extLst>
           </p:cNvPr>
@@ -2958,7 +2958,7 @@
           <p:cNvPr id="6" name="灯片编号占位符 5">
             <a:extLst>
               <a:ext uri="{FF2B5EF4-FFF2-40B4-BE49-F238E27FC236}">
-                <a16:creationId xmlns:a16="http://schemas.microsoft.com/office/drawing/2014/main" id="{151444B2-4AE1-F568-CB7C-18AF53F3F540}"/>
+                <a16:creationId xmlns:a16="http://schemas.microsoft.com/office/drawing/2014/main" id="{41964174-D42A-16C3-6C2D-A6EF9C642802}"/>
               </a:ext>
             </a:extLst>
           </p:cNvPr>
@@ -2992,7 +2992,7 @@
             </a:lvl1pPr>
           </a:lstStyle>
           <a:p>
-            <a:fld id="{B6B4EFC4-0A3C-4BE5-A855-134C38D35855}" type="slidenum">
+            <a:fld id="{AB3C1879-6B12-4156-9034-0510AACBB54E}" type="slidenum">
               <a:rPr lang="zh-CN" altLang="en-US" smtClean="0"/>
               <a:t>‹#›</a:t>
             </a:fld>
@@ -3003,7 +3003,7 @@
     </p:spTree>
     <p:extLst>
       <p:ext uri="{BB962C8B-B14F-4D97-AF65-F5344CB8AC3E}">
-        <p14:creationId xmlns:p14="http://schemas.microsoft.com/office/powerpoint/2010/main" val="713162756"/>
+        <p14:creationId xmlns:p14="http://schemas.microsoft.com/office/powerpoint/2010/main" val="3678127090"/>
       </p:ext>
     </p:extLst>
   </p:cSld>
@@ -3323,7 +3323,7 @@
       </p:grpSpPr>
       <p:pic>
         <p:nvPicPr>
-          <p:cNvPr id="270338" name="Picture 2" descr="263"/>
+          <p:cNvPr id="271362" name="Picture 2" descr="264"/>
           <p:cNvPicPr>
             <a:picLocks noChangeAspect="1" noChangeArrowheads="1"/>
           </p:cNvPicPr>
